--- a/01_FoundationProjects/RCC03_Robot_Car_Joystick_Control/RCC03_Robot_Car_Joystick_Control.pptx
+++ b/01_FoundationProjects/RCC03_Robot_Car_Joystick_Control/RCC03_Robot_Car_Joystick_Control.pptx
@@ -202,7 +202,7 @@
           <a:p>
             <a:fld id="{2A311A46-23A7-4CAD-863D-6397CDAD4FD2}" type="datetimeFigureOut">
               <a:rPr lang="en-GB" smtClean="0"/>
-              <a:t>11/01/2026</a:t>
+              <a:t>17/01/2026</a:t>
             </a:fld>
             <a:endParaRPr lang="en-GB"/>
           </a:p>
@@ -8566,7 +8566,7 @@
         </p:nvSpPr>
         <p:spPr bwMode="auto">
           <a:xfrm>
-            <a:off x="1008204" y="5277646"/>
+            <a:off x="1008204" y="4979565"/>
             <a:ext cx="5501926" cy="646331"/>
           </a:xfrm>
           <a:prstGeom prst="rect">
@@ -8678,15 +8678,27 @@
               <a:defRPr/>
             </a:pPr>
             <a:r>
-              <a:rPr lang="en-GB" b="1" dirty="0"/>
+              <a:rPr lang="en-GB" b="1" dirty="0">
+                <a:solidFill>
+                  <a:srgbClr val="00B0F0"/>
+                </a:solidFill>
+              </a:rPr>
               <a:t>Code for Lesson RCC03 (</a:t>
             </a:r>
             <a:r>
-              <a:rPr lang="en-US" b="1" dirty="0"/>
+              <a:rPr lang="en-US" b="1" dirty="0">
+                <a:solidFill>
+                  <a:srgbClr val="00B0F0"/>
+                </a:solidFill>
+              </a:rPr>
               <a:t>RCC03_Robot_Car_Joystick_Control_Tx</a:t>
             </a:r>
             <a:r>
-              <a:rPr lang="en-GB" b="1" dirty="0"/>
+              <a:rPr lang="en-GB" b="1" dirty="0">
+                <a:solidFill>
+                  <a:srgbClr val="00B0F0"/>
+                </a:solidFill>
+              </a:rPr>
               <a:t>.ino):</a:t>
             </a:r>
           </a:p>
@@ -8706,8 +8718,8 @@
         </p:nvSpPr>
         <p:spPr>
           <a:xfrm>
-            <a:off x="1008204" y="5923977"/>
-            <a:ext cx="4885191" cy="307777"/>
+            <a:off x="1015578" y="5587903"/>
+            <a:ext cx="4885191" cy="954107"/>
           </a:xfrm>
           <a:prstGeom prst="rect">
             <a:avLst/>
@@ -8819,7 +8831,14 @@
             </a:lvl9pPr>
           </a:lstStyle>
           <a:p>
-            <a:endParaRPr lang="en-GB" dirty="0"/>
+            <a:r>
+              <a:rPr lang="en-GB" dirty="0">
+                <a:solidFill>
+                  <a:srgbClr val="00B0F0"/>
+                </a:solidFill>
+              </a:rPr>
+              <a:t>https://github.com/info-zas/zas-robotics-car-2-communications/blob/main/01_FoundationProjects/RCC03_Robot_Car_Joystick_Control/RCC03_Robot_Car_Joystick_Control_Tx/RCC03_Robot_Car_Joystick_Control_Tx.ino</a:t>
+            </a:r>
           </a:p>
         </p:txBody>
       </p:sp>
@@ -8837,7 +8856,7 @@
         </p:nvSpPr>
         <p:spPr bwMode="auto">
           <a:xfrm>
-            <a:off x="6510130" y="5277646"/>
+            <a:off x="6517504" y="5153050"/>
             <a:ext cx="5501926" cy="646331"/>
           </a:xfrm>
           <a:prstGeom prst="rect">
@@ -8949,15 +8968,27 @@
               <a:defRPr/>
             </a:pPr>
             <a:r>
-              <a:rPr lang="en-GB" b="1" dirty="0"/>
+              <a:rPr lang="en-GB" b="1" dirty="0">
+                <a:solidFill>
+                  <a:srgbClr val="00B0F0"/>
+                </a:solidFill>
+              </a:rPr>
               <a:t>Code for Lesson RCC03 (</a:t>
             </a:r>
             <a:r>
-              <a:rPr lang="en-US" b="1" dirty="0"/>
+              <a:rPr lang="en-US" b="1" dirty="0">
+                <a:solidFill>
+                  <a:srgbClr val="00B0F0"/>
+                </a:solidFill>
+              </a:rPr>
               <a:t>RCC03_Robot_Car_Joystick_Control_Rx</a:t>
             </a:r>
             <a:r>
-              <a:rPr lang="en-GB" b="1" dirty="0"/>
+              <a:rPr lang="en-GB" b="1" dirty="0">
+                <a:solidFill>
+                  <a:srgbClr val="00B0F0"/>
+                </a:solidFill>
+              </a:rPr>
               <a:t>.ino):</a:t>
             </a:r>
           </a:p>
@@ -8977,8 +9008,8 @@
         </p:nvSpPr>
         <p:spPr>
           <a:xfrm>
-            <a:off x="6510130" y="5923977"/>
-            <a:ext cx="4885191" cy="307777"/>
+            <a:off x="6517504" y="5767368"/>
+            <a:ext cx="4885191" cy="954107"/>
           </a:xfrm>
           <a:prstGeom prst="rect">
             <a:avLst/>
@@ -9090,7 +9121,14 @@
             </a:lvl9pPr>
           </a:lstStyle>
           <a:p>
-            <a:endParaRPr lang="en-GB" dirty="0"/>
+            <a:r>
+              <a:rPr lang="en-GB" dirty="0">
+                <a:solidFill>
+                  <a:srgbClr val="00B0F0"/>
+                </a:solidFill>
+              </a:rPr>
+              <a:t>https://github.com/info-zas/zas-robotics-car-2-communications/blob/main/01_FoundationProjects/RCC03_Robot_Car_Joystick_Control/RCC03_Robot_Car_Joystick_Control_Rx/RCC03_Robot_Car_Joystick_Control_Rx.ino</a:t>
+            </a:r>
           </a:p>
         </p:txBody>
       </p:sp>
@@ -9122,7 +9160,7 @@
         </p:blipFill>
         <p:spPr bwMode="auto">
           <a:xfrm rot="10800000">
-            <a:off x="6659109" y="1476935"/>
+            <a:off x="6747615" y="1224476"/>
             <a:ext cx="2842812" cy="3904129"/>
           </a:xfrm>
           <a:prstGeom prst="rect">
